--- a/lectures/week2/lecture2/slides/week2_lecture2.pptx
+++ b/lectures/week2/lecture2/slides/week2_lecture2.pptx
@@ -2128,7 +2128,7 @@
         <p:spPr>
           <a:xfrm>
             <a:off x="335947" y="5102715"/>
-            <a:ext cx="4736168" cy="1600438"/>
+            <a:ext cx="4736168" cy="1323439"/>
           </a:xfrm>
           <a:prstGeom prst="rect">
             <a:avLst/>
@@ -2254,41 +2254,29 @@
                   <a:srgbClr val="66FF99"/>
                 </a:solidFill>
               </a:rPr>
-              <a:t>Tutorial and Practical sessions running all week</a:t>
-            </a:r>
-            <a:r>
-              <a:rPr lang="en-US" sz="1600" dirty="0">
+              <a:t>Tutorial and Practical sessions running all </a:t>
+            </a:r>
+            <a:r>
+              <a:rPr lang="en-US" sz="1600">
+                <a:solidFill>
+                  <a:srgbClr val="66FF99"/>
+                </a:solidFill>
+              </a:rPr>
+              <a:t>week</a:t>
+            </a:r>
+            <a:r>
+              <a:rPr lang="en-US" sz="1600">
                 <a:solidFill>
                   <a:srgbClr val="CC99FF"/>
                 </a:solidFill>
               </a:rPr>
               <a:t>.</a:t>
             </a:r>
-          </a:p>
-          <a:p>
-            <a:pPr marL="285750" indent="-285750">
-              <a:buClr>
+            <a:endParaRPr lang="en-US" sz="1600" dirty="0">
+              <a:solidFill>
                 <a:srgbClr val="CC99FF"/>
-              </a:buClr>
-              <a:buFont typeface="Wingdings" panose="05000000000000000000" pitchFamily="2" charset="2"/>
-              <a:buChar char="§"/>
-            </a:pPr>
-            <a:r>
-              <a:rPr lang="en-US" sz="1600" dirty="0">
-                <a:solidFill>
-                  <a:srgbClr val="66FF99"/>
-                </a:solidFill>
-              </a:rPr>
-              <a:t>TUT0104 Recording posted on OCCS</a:t>
-            </a:r>
-            <a:r>
-              <a:rPr lang="en-US" sz="1600" dirty="0">
-                <a:solidFill>
-                  <a:srgbClr val="CC99FF"/>
-                </a:solidFill>
-              </a:rPr>
-              <a:t>.</a:t>
-            </a:r>
+              </a:solidFill>
+            </a:endParaRPr>
           </a:p>
         </p:txBody>
       </p:sp>

--- a/lectures/week2/lecture2/slides/week2_lecture2.pptx
+++ b/lectures/week2/lecture2/slides/week2_lecture2.pptx
@@ -2280,6 +2280,53 @@
           </a:p>
         </p:txBody>
       </p:sp>
+      <p:pic>
+        <p:nvPicPr>
+          <p:cNvPr id="5" name="Picture 2" descr="code reviews - Code quality as measured in WTFs/minute. - devRant">
+            <a:extLst>
+              <a:ext uri="{FF2B5EF4-FFF2-40B4-BE49-F238E27FC236}">
+                <a16:creationId xmlns:a16="http://schemas.microsoft.com/office/drawing/2014/main" id="{C0798C5C-A67B-3170-44DE-272949626AF8}"/>
+              </a:ext>
+            </a:extLst>
+          </p:cNvPr>
+          <p:cNvPicPr>
+            <a:picLocks noChangeAspect="1" noChangeArrowheads="1"/>
+          </p:cNvPicPr>
+          <p:nvPr/>
+        </p:nvPicPr>
+        <p:blipFill>
+          <a:blip r:embed="rId2">
+            <a:extLst>
+              <a:ext uri="{28A0092B-C50C-407E-A947-70E740481C1C}">
+                <a14:useLocalDpi xmlns:a14="http://schemas.microsoft.com/office/drawing/2010/main" val="0"/>
+              </a:ext>
+            </a:extLst>
+          </a:blip>
+          <a:srcRect/>
+          <a:stretch>
+            <a:fillRect/>
+          </a:stretch>
+        </p:blipFill>
+        <p:spPr bwMode="auto">
+          <a:xfrm>
+            <a:off x="7266493" y="1331843"/>
+            <a:ext cx="4589560" cy="4589560"/>
+          </a:xfrm>
+          <a:prstGeom prst="rect">
+            <a:avLst/>
+          </a:prstGeom>
+          <a:noFill/>
+          <a:extLst>
+            <a:ext uri="{909E8E84-426E-40DD-AFC4-6F175D3DCCD1}">
+              <a14:hiddenFill xmlns:a14="http://schemas.microsoft.com/office/drawing/2010/main">
+                <a:solidFill>
+                  <a:srgbClr val="FFFFFF"/>
+                </a:solidFill>
+              </a14:hiddenFill>
+            </a:ext>
+          </a:extLst>
+        </p:spPr>
+      </p:pic>
     </p:spTree>
     <p:extLst>
       <p:ext uri="{BB962C8B-B14F-4D97-AF65-F5344CB8AC3E}">
@@ -7175,7 +7222,7 @@
                   <a:schemeClr val="accent2"/>
                 </a:solidFill>
               </a:rPr>
-              <a:t>6. </a:t>
+              <a:t>4. </a:t>
             </a:r>
             <a:r>
               <a:rPr lang="en-US" sz="2600" b="1" dirty="0">
@@ -7397,7 +7444,7 @@
                   <a:schemeClr val="accent6"/>
                 </a:solidFill>
               </a:rPr>
-              <a:t>4. </a:t>
+              <a:t>5. </a:t>
             </a:r>
             <a:r>
               <a:rPr lang="en-US" sz="2600" b="1" dirty="0">
@@ -7415,7 +7462,7 @@
                   <a:schemeClr val="accent6"/>
                 </a:solidFill>
               </a:rPr>
-              <a:t>5. </a:t>
+              <a:t>6. </a:t>
             </a:r>
             <a:r>
               <a:rPr lang="en-US" sz="2600" b="1" dirty="0">
@@ -7425,238 +7472,6 @@
               </a:rPr>
               <a:t>Calling Functions within Functions</a:t>
             </a:r>
-          </a:p>
-        </p:txBody>
-      </p:sp>
-      <p:sp>
-        <p:nvSpPr>
-          <p:cNvPr id="5" name="Rectangle 1">
-            <a:extLst>
-              <a:ext uri="{FF2B5EF4-FFF2-40B4-BE49-F238E27FC236}">
-                <a16:creationId xmlns:a16="http://schemas.microsoft.com/office/drawing/2014/main" id="{223A7E5C-C3BC-4A4A-846B-04644C0501D4}"/>
-              </a:ext>
-            </a:extLst>
-          </p:cNvPr>
-          <p:cNvSpPr>
-            <a:spLocks noChangeArrowheads="1"/>
-          </p:cNvSpPr>
-          <p:nvPr/>
-        </p:nvSpPr>
-        <p:spPr bwMode="auto">
-          <a:xfrm>
-            <a:off x="0" y="0"/>
-            <a:ext cx="12192000" cy="0"/>
-          </a:xfrm>
-          <a:prstGeom prst="rect">
-            <a:avLst/>
-          </a:prstGeom>
-          <a:solidFill>
-            <a:srgbClr val="FFFFFF"/>
-          </a:solidFill>
-          <a:ln>
-            <a:noFill/>
-          </a:ln>
-          <a:effectLst/>
-          <a:extLst>
-            <a:ext uri="{91240B29-F687-4F45-9708-019B960494DF}">
-              <a14:hiddenLine xmlns:a14="http://schemas.microsoft.com/office/drawing/2010/main" w="9525">
-                <a:solidFill>
-                  <a:schemeClr val="tx1"/>
-                </a:solidFill>
-                <a:miter lim="800000"/>
-                <a:headEnd/>
-                <a:tailEnd/>
-              </a14:hiddenLine>
-            </a:ext>
-            <a:ext uri="{AF507438-7753-43E0-B8FC-AC1667EBCBE1}">
-              <a14:hiddenEffects xmlns:a14="http://schemas.microsoft.com/office/drawing/2010/main">
-                <a:effectLst>
-                  <a:outerShdw dist="35921" dir="2700000" algn="ctr" rotWithShape="0">
-                    <a:schemeClr val="bg2"/>
-                  </a:outerShdw>
-                </a:effectLst>
-              </a14:hiddenEffects>
-            </a:ext>
-          </a:extLst>
-        </p:spPr>
-        <p:txBody>
-          <a:bodyPr vert="horz" wrap="square" lIns="91440" tIns="45720" rIns="91440" bIns="45720" numCol="1" anchor="ctr" anchorCtr="0" compatLnSpc="1">
-            <a:prstTxWarp prst="textNoShape">
-              <a:avLst/>
-            </a:prstTxWarp>
-            <a:spAutoFit/>
-          </a:bodyPr>
-          <a:lstStyle/>
-          <a:p>
-            <a:pPr marL="0" marR="0" lvl="0" indent="0" algn="l" defTabSz="914400" rtl="0" eaLnBrk="0" fontAlgn="base" latinLnBrk="0" hangingPunct="0">
-              <a:lnSpc>
-                <a:spcPct val="100000"/>
-              </a:lnSpc>
-              <a:spcBef>
-                <a:spcPct val="0"/>
-              </a:spcBef>
-              <a:spcAft>
-                <a:spcPct val="0"/>
-              </a:spcAft>
-              <a:buClrTx/>
-              <a:buSzTx/>
-              <a:buFontTx/>
-              <a:buNone/>
-              <a:tabLst/>
-            </a:pPr>
-            <a:r>
-              <a:rPr kumimoji="0" lang="en-US" altLang="en-US" sz="1800" b="0" i="0" u="none" strike="noStrike" cap="none" normalizeH="0" baseline="0">
-                <a:ln>
-                  <a:noFill/>
-                </a:ln>
-                <a:solidFill>
-                  <a:srgbClr val="1155CC"/>
-                </a:solidFill>
-                <a:effectLst/>
-                <a:latin typeface="Arial" panose="020B0604020202020204" pitchFamily="34" charset="0"/>
-                <a:cs typeface="Arial" panose="020B0604020202020204" pitchFamily="34" charset="0"/>
-                <a:hlinkClick r:id="rId2"/>
-              </a:rPr>
-              <a:t>https://utoronto.zoom.us/my/bussmann</a:t>
-            </a:r>
-            <a:r>
-              <a:rPr kumimoji="0" lang="en-US" altLang="en-US" sz="1800" b="0" i="0" u="none" strike="noStrike" cap="none" normalizeH="0" baseline="0">
-                <a:ln>
-                  <a:noFill/>
-                </a:ln>
-                <a:solidFill>
-                  <a:schemeClr val="tx1"/>
-                </a:solidFill>
-                <a:effectLst/>
-              </a:rPr>
-              <a:t> </a:t>
-            </a:r>
-            <a:endParaRPr kumimoji="0" lang="en-US" altLang="en-US" sz="1800" b="0" i="0" u="none" strike="noStrike" cap="none" normalizeH="0" baseline="0">
-              <a:ln>
-                <a:noFill/>
-              </a:ln>
-              <a:solidFill>
-                <a:schemeClr val="tx1"/>
-              </a:solidFill>
-              <a:effectLst/>
-              <a:latin typeface="Arial" panose="020B0604020202020204" pitchFamily="34" charset="0"/>
-            </a:endParaRPr>
-          </a:p>
-        </p:txBody>
-      </p:sp>
-      <p:sp>
-        <p:nvSpPr>
-          <p:cNvPr id="6" name="Rectangle 2">
-            <a:extLst>
-              <a:ext uri="{FF2B5EF4-FFF2-40B4-BE49-F238E27FC236}">
-                <a16:creationId xmlns:a16="http://schemas.microsoft.com/office/drawing/2014/main" id="{9206EE1F-7363-469A-A9ED-F5C278CC5B34}"/>
-              </a:ext>
-            </a:extLst>
-          </p:cNvPr>
-          <p:cNvSpPr>
-            <a:spLocks noChangeArrowheads="1"/>
-          </p:cNvSpPr>
-          <p:nvPr/>
-        </p:nvSpPr>
-        <p:spPr bwMode="auto">
-          <a:xfrm>
-            <a:off x="152400" y="152400"/>
-            <a:ext cx="12192000" cy="0"/>
-          </a:xfrm>
-          <a:prstGeom prst="rect">
-            <a:avLst/>
-          </a:prstGeom>
-          <a:solidFill>
-            <a:srgbClr val="FFFFFF"/>
-          </a:solidFill>
-          <a:ln>
-            <a:noFill/>
-          </a:ln>
-          <a:effectLst/>
-          <a:extLst>
-            <a:ext uri="{91240B29-F687-4F45-9708-019B960494DF}">
-              <a14:hiddenLine xmlns:a14="http://schemas.microsoft.com/office/drawing/2010/main" w="9525">
-                <a:solidFill>
-                  <a:schemeClr val="tx1"/>
-                </a:solidFill>
-                <a:miter lim="800000"/>
-                <a:headEnd/>
-                <a:tailEnd/>
-              </a14:hiddenLine>
-            </a:ext>
-            <a:ext uri="{AF507438-7753-43E0-B8FC-AC1667EBCBE1}">
-              <a14:hiddenEffects xmlns:a14="http://schemas.microsoft.com/office/drawing/2010/main">
-                <a:effectLst>
-                  <a:outerShdw dist="35921" dir="2700000" algn="ctr" rotWithShape="0">
-                    <a:schemeClr val="bg2"/>
-                  </a:outerShdw>
-                </a:effectLst>
-              </a14:hiddenEffects>
-            </a:ext>
-          </a:extLst>
-        </p:spPr>
-        <p:txBody>
-          <a:bodyPr vert="horz" wrap="square" lIns="91440" tIns="45720" rIns="91440" bIns="45720" numCol="1" anchor="ctr" anchorCtr="0" compatLnSpc="1">
-            <a:prstTxWarp prst="textNoShape">
-              <a:avLst/>
-            </a:prstTxWarp>
-            <a:spAutoFit/>
-          </a:bodyPr>
-          <a:lstStyle/>
-          <a:p>
-            <a:pPr marL="0" marR="0" lvl="0" indent="0" algn="l" defTabSz="914400" rtl="0" eaLnBrk="0" fontAlgn="base" latinLnBrk="0" hangingPunct="0">
-              <a:lnSpc>
-                <a:spcPct val="100000"/>
-              </a:lnSpc>
-              <a:spcBef>
-                <a:spcPct val="0"/>
-              </a:spcBef>
-              <a:spcAft>
-                <a:spcPct val="0"/>
-              </a:spcAft>
-              <a:buClrTx/>
-              <a:buSzTx/>
-              <a:buFontTx/>
-              <a:buNone/>
-              <a:tabLst/>
-            </a:pPr>
-            <a:r>
-              <a:rPr kumimoji="0" lang="en-US" altLang="en-US" sz="1800" b="0" i="0" u="none" strike="noStrike" cap="none" normalizeH="0" baseline="0">
-                <a:ln>
-                  <a:noFill/>
-                </a:ln>
-                <a:solidFill>
-                  <a:srgbClr val="1155CC"/>
-                </a:solidFill>
-                <a:effectLst/>
-                <a:latin typeface="Arial" panose="020B0604020202020204" pitchFamily="34" charset="0"/>
-                <a:cs typeface="Arial" panose="020B0604020202020204" pitchFamily="34" charset="0"/>
-                <a:hlinkClick r:id="rId2"/>
-              </a:rPr>
-              <a:t>https://utoronto.zoom.us/my/bussmann</a:t>
-            </a:r>
-            <a:r>
-              <a:rPr kumimoji="0" lang="en-US" altLang="en-US" sz="1800" b="0" i="0" u="none" strike="noStrike" cap="none" normalizeH="0" baseline="0">
-                <a:ln>
-                  <a:noFill/>
-                </a:ln>
-                <a:solidFill>
-                  <a:schemeClr val="tx1"/>
-                </a:solidFill>
-                <a:effectLst/>
-              </a:rPr>
-              <a:t> </a:t>
-            </a:r>
-            <a:endParaRPr kumimoji="0" lang="en-US" altLang="en-US" sz="1800" b="0" i="0" u="none" strike="noStrike" cap="none" normalizeH="0" baseline="0">
-              <a:ln>
-                <a:noFill/>
-              </a:ln>
-              <a:solidFill>
-                <a:schemeClr val="tx1"/>
-              </a:solidFill>
-              <a:effectLst/>
-              <a:latin typeface="Arial" panose="020B0604020202020204" pitchFamily="34" charset="0"/>
-            </a:endParaRPr>
           </a:p>
         </p:txBody>
       </p:sp>

--- a/lectures/week2/lecture2/slides/week2_lecture2.pptx
+++ b/lectures/week2/lecture2/slides/week2_lecture2.pptx
@@ -19697,6 +19697,333 @@
   <p:clrMapOvr>
     <a:masterClrMapping/>
   </p:clrMapOvr>
+  <p:timing>
+    <p:tnLst>
+      <p:par>
+        <p:cTn id="1" dur="indefinite" restart="never" nodeType="tmRoot">
+          <p:childTnLst>
+            <p:seq concurrent="1" nextAc="seek">
+              <p:cTn id="2" dur="indefinite" nodeType="mainSeq">
+                <p:childTnLst>
+                  <p:par>
+                    <p:cTn id="3" fill="hold">
+                      <p:stCondLst>
+                        <p:cond delay="indefinite"/>
+                      </p:stCondLst>
+                      <p:childTnLst>
+                        <p:par>
+                          <p:cTn id="4" fill="hold">
+                            <p:stCondLst>
+                              <p:cond delay="0"/>
+                            </p:stCondLst>
+                            <p:childTnLst>
+                              <p:par>
+                                <p:cTn id="5" presetID="1" presetClass="entr" presetSubtype="0" fill="hold" grpId="0" nodeType="clickEffect">
+                                  <p:stCondLst>
+                                    <p:cond delay="0"/>
+                                  </p:stCondLst>
+                                  <p:childTnLst>
+                                    <p:set>
+                                      <p:cBhvr>
+                                        <p:cTn id="6" dur="1" fill="hold">
+                                          <p:stCondLst>
+                                            <p:cond delay="0"/>
+                                          </p:stCondLst>
+                                        </p:cTn>
+                                        <p:tgtEl>
+                                          <p:spTgt spid="20">
+                                            <p:txEl>
+                                              <p:pRg st="0" end="0"/>
+                                            </p:txEl>
+                                          </p:spTgt>
+                                        </p:tgtEl>
+                                        <p:attrNameLst>
+                                          <p:attrName>style.visibility</p:attrName>
+                                        </p:attrNameLst>
+                                      </p:cBhvr>
+                                      <p:to>
+                                        <p:strVal val="visible"/>
+                                      </p:to>
+                                    </p:set>
+                                  </p:childTnLst>
+                                </p:cTn>
+                              </p:par>
+                            </p:childTnLst>
+                          </p:cTn>
+                        </p:par>
+                      </p:childTnLst>
+                    </p:cTn>
+                  </p:par>
+                  <p:par>
+                    <p:cTn id="7" fill="hold">
+                      <p:stCondLst>
+                        <p:cond delay="indefinite"/>
+                      </p:stCondLst>
+                      <p:childTnLst>
+                        <p:par>
+                          <p:cTn id="8" fill="hold">
+                            <p:stCondLst>
+                              <p:cond delay="0"/>
+                            </p:stCondLst>
+                            <p:childTnLst>
+                              <p:par>
+                                <p:cTn id="9" presetID="1" presetClass="entr" presetSubtype="0" fill="hold" grpId="0" nodeType="clickEffect">
+                                  <p:stCondLst>
+                                    <p:cond delay="0"/>
+                                  </p:stCondLst>
+                                  <p:childTnLst>
+                                    <p:set>
+                                      <p:cBhvr>
+                                        <p:cTn id="10" dur="1" fill="hold">
+                                          <p:stCondLst>
+                                            <p:cond delay="0"/>
+                                          </p:stCondLst>
+                                        </p:cTn>
+                                        <p:tgtEl>
+                                          <p:spTgt spid="20">
+                                            <p:txEl>
+                                              <p:pRg st="1" end="1"/>
+                                            </p:txEl>
+                                          </p:spTgt>
+                                        </p:tgtEl>
+                                        <p:attrNameLst>
+                                          <p:attrName>style.visibility</p:attrName>
+                                        </p:attrNameLst>
+                                      </p:cBhvr>
+                                      <p:to>
+                                        <p:strVal val="visible"/>
+                                      </p:to>
+                                    </p:set>
+                                  </p:childTnLst>
+                                </p:cTn>
+                              </p:par>
+                            </p:childTnLst>
+                          </p:cTn>
+                        </p:par>
+                      </p:childTnLst>
+                    </p:cTn>
+                  </p:par>
+                  <p:par>
+                    <p:cTn id="11" fill="hold">
+                      <p:stCondLst>
+                        <p:cond delay="indefinite"/>
+                      </p:stCondLst>
+                      <p:childTnLst>
+                        <p:par>
+                          <p:cTn id="12" fill="hold">
+                            <p:stCondLst>
+                              <p:cond delay="0"/>
+                            </p:stCondLst>
+                            <p:childTnLst>
+                              <p:par>
+                                <p:cTn id="13" presetID="1" presetClass="entr" presetSubtype="0" fill="hold" grpId="0" nodeType="clickEffect">
+                                  <p:stCondLst>
+                                    <p:cond delay="0"/>
+                                  </p:stCondLst>
+                                  <p:childTnLst>
+                                    <p:set>
+                                      <p:cBhvr>
+                                        <p:cTn id="14" dur="1" fill="hold">
+                                          <p:stCondLst>
+                                            <p:cond delay="0"/>
+                                          </p:stCondLst>
+                                        </p:cTn>
+                                        <p:tgtEl>
+                                          <p:spTgt spid="20">
+                                            <p:txEl>
+                                              <p:pRg st="2" end="2"/>
+                                            </p:txEl>
+                                          </p:spTgt>
+                                        </p:tgtEl>
+                                        <p:attrNameLst>
+                                          <p:attrName>style.visibility</p:attrName>
+                                        </p:attrNameLst>
+                                      </p:cBhvr>
+                                      <p:to>
+                                        <p:strVal val="visible"/>
+                                      </p:to>
+                                    </p:set>
+                                  </p:childTnLst>
+                                </p:cTn>
+                              </p:par>
+                            </p:childTnLst>
+                          </p:cTn>
+                        </p:par>
+                      </p:childTnLst>
+                    </p:cTn>
+                  </p:par>
+                  <p:par>
+                    <p:cTn id="15" fill="hold">
+                      <p:stCondLst>
+                        <p:cond delay="indefinite"/>
+                      </p:stCondLst>
+                      <p:childTnLst>
+                        <p:par>
+                          <p:cTn id="16" fill="hold">
+                            <p:stCondLst>
+                              <p:cond delay="0"/>
+                            </p:stCondLst>
+                            <p:childTnLst>
+                              <p:par>
+                                <p:cTn id="17" presetID="1" presetClass="entr" presetSubtype="0" fill="hold" grpId="0" nodeType="clickEffect">
+                                  <p:stCondLst>
+                                    <p:cond delay="0"/>
+                                  </p:stCondLst>
+                                  <p:childTnLst>
+                                    <p:set>
+                                      <p:cBhvr>
+                                        <p:cTn id="18" dur="1" fill="hold">
+                                          <p:stCondLst>
+                                            <p:cond delay="0"/>
+                                          </p:stCondLst>
+                                        </p:cTn>
+                                        <p:tgtEl>
+                                          <p:spTgt spid="20">
+                                            <p:txEl>
+                                              <p:pRg st="3" end="3"/>
+                                            </p:txEl>
+                                          </p:spTgt>
+                                        </p:tgtEl>
+                                        <p:attrNameLst>
+                                          <p:attrName>style.visibility</p:attrName>
+                                        </p:attrNameLst>
+                                      </p:cBhvr>
+                                      <p:to>
+                                        <p:strVal val="visible"/>
+                                      </p:to>
+                                    </p:set>
+                                  </p:childTnLst>
+                                </p:cTn>
+                              </p:par>
+                            </p:childTnLst>
+                          </p:cTn>
+                        </p:par>
+                      </p:childTnLst>
+                    </p:cTn>
+                  </p:par>
+                  <p:par>
+                    <p:cTn id="19" fill="hold">
+                      <p:stCondLst>
+                        <p:cond delay="indefinite"/>
+                      </p:stCondLst>
+                      <p:childTnLst>
+                        <p:par>
+                          <p:cTn id="20" fill="hold">
+                            <p:stCondLst>
+                              <p:cond delay="0"/>
+                            </p:stCondLst>
+                            <p:childTnLst>
+                              <p:par>
+                                <p:cTn id="21" presetID="1" presetClass="entr" presetSubtype="0" fill="hold" grpId="0" nodeType="clickEffect">
+                                  <p:stCondLst>
+                                    <p:cond delay="0"/>
+                                  </p:stCondLst>
+                                  <p:childTnLst>
+                                    <p:set>
+                                      <p:cBhvr>
+                                        <p:cTn id="22" dur="1" fill="hold">
+                                          <p:stCondLst>
+                                            <p:cond delay="0"/>
+                                          </p:stCondLst>
+                                        </p:cTn>
+                                        <p:tgtEl>
+                                          <p:spTgt spid="20">
+                                            <p:txEl>
+                                              <p:pRg st="4" end="4"/>
+                                            </p:txEl>
+                                          </p:spTgt>
+                                        </p:tgtEl>
+                                        <p:attrNameLst>
+                                          <p:attrName>style.visibility</p:attrName>
+                                        </p:attrNameLst>
+                                      </p:cBhvr>
+                                      <p:to>
+                                        <p:strVal val="visible"/>
+                                      </p:to>
+                                    </p:set>
+                                  </p:childTnLst>
+                                </p:cTn>
+                              </p:par>
+                            </p:childTnLst>
+                          </p:cTn>
+                        </p:par>
+                      </p:childTnLst>
+                    </p:cTn>
+                  </p:par>
+                  <p:par>
+                    <p:cTn id="23" fill="hold">
+                      <p:stCondLst>
+                        <p:cond delay="indefinite"/>
+                      </p:stCondLst>
+                      <p:childTnLst>
+                        <p:par>
+                          <p:cTn id="24" fill="hold">
+                            <p:stCondLst>
+                              <p:cond delay="0"/>
+                            </p:stCondLst>
+                            <p:childTnLst>
+                              <p:par>
+                                <p:cTn id="25" presetID="1" presetClass="entr" presetSubtype="0" fill="hold" grpId="0" nodeType="clickEffect">
+                                  <p:stCondLst>
+                                    <p:cond delay="0"/>
+                                  </p:stCondLst>
+                                  <p:childTnLst>
+                                    <p:set>
+                                      <p:cBhvr>
+                                        <p:cTn id="26" dur="1" fill="hold">
+                                          <p:stCondLst>
+                                            <p:cond delay="0"/>
+                                          </p:stCondLst>
+                                        </p:cTn>
+                                        <p:tgtEl>
+                                          <p:spTgt spid="20">
+                                            <p:txEl>
+                                              <p:pRg st="5" end="5"/>
+                                            </p:txEl>
+                                          </p:spTgt>
+                                        </p:tgtEl>
+                                        <p:attrNameLst>
+                                          <p:attrName>style.visibility</p:attrName>
+                                        </p:attrNameLst>
+                                      </p:cBhvr>
+                                      <p:to>
+                                        <p:strVal val="visible"/>
+                                      </p:to>
+                                    </p:set>
+                                  </p:childTnLst>
+                                </p:cTn>
+                              </p:par>
+                            </p:childTnLst>
+                          </p:cTn>
+                        </p:par>
+                      </p:childTnLst>
+                    </p:cTn>
+                  </p:par>
+                </p:childTnLst>
+              </p:cTn>
+              <p:prevCondLst>
+                <p:cond evt="onPrev" delay="0">
+                  <p:tgtEl>
+                    <p:sldTgt/>
+                  </p:tgtEl>
+                </p:cond>
+              </p:prevCondLst>
+              <p:nextCondLst>
+                <p:cond evt="onNext" delay="0">
+                  <p:tgtEl>
+                    <p:sldTgt/>
+                  </p:tgtEl>
+                </p:cond>
+              </p:nextCondLst>
+            </p:seq>
+          </p:childTnLst>
+        </p:cTn>
+      </p:par>
+    </p:tnLst>
+    <p:bldLst>
+      <p:bldP spid="20" grpId="0" build="p"/>
+    </p:bldLst>
+  </p:timing>
 </p:sld>
 </file>
 
